--- a/OCP concurrency [Auto-saved].pptx
+++ b/OCP concurrency [Auto-saved].pptx
@@ -17138,7 +17138,16 @@
               <a:defRPr sz="1700"/>
             </a:pPr>
             <a:r>
-              <a:t>public static void main(String[] args) {</a:t>
+              <a:rPr dirty="0"/>
+              <a:t>public static void main(String[] </a:t>
+            </a:r>
+            <a:r>
+              <a:rPr dirty="0" err="1"/>
+              <a:t>args</a:t>
+            </a:r>
+            <a:r>
+              <a:rPr dirty="0"/>
+              <a:t>) {</a:t>
             </a:r>
           </a:p>
           <a:p>
@@ -17151,7 +17160,24 @@
               <a:defRPr sz="1700"/>
             </a:pPr>
             <a:r>
-              <a:t>	ExecutorService executorService = null;</a:t>
+              <a:rPr dirty="0"/>
+              <a:t>	</a:t>
+            </a:r>
+            <a:r>
+              <a:rPr dirty="0" err="1"/>
+              <a:t>ExecutorService</a:t>
+            </a:r>
+            <a:r>
+              <a:rPr dirty="0"/>
+              <a:t> </a:t>
+            </a:r>
+            <a:r>
+              <a:rPr dirty="0" err="1"/>
+              <a:t>executorService</a:t>
+            </a:r>
+            <a:r>
+              <a:rPr dirty="0"/>
+              <a:t> = null;</a:t>
             </a:r>
           </a:p>
           <a:p>
@@ -17164,6 +17190,7 @@
               <a:defRPr sz="1700"/>
             </a:pPr>
             <a:r>
+              <a:rPr dirty="0"/>
               <a:t>	try {</a:t>
             </a:r>
           </a:p>
@@ -17177,7 +17204,24 @@
               <a:defRPr sz="1700"/>
             </a:pPr>
             <a:r>
-              <a:t>		executorService = Executors.newSingleThreadExecutor();</a:t>
+              <a:rPr dirty="0"/>
+              <a:t>		</a:t>
+            </a:r>
+            <a:r>
+              <a:rPr dirty="0" err="1"/>
+              <a:t>executorService</a:t>
+            </a:r>
+            <a:r>
+              <a:rPr dirty="0"/>
+              <a:t> = </a:t>
+            </a:r>
+            <a:r>
+              <a:rPr dirty="0" err="1"/>
+              <a:t>Executors.newSingleThreadExecutor</a:t>
+            </a:r>
+            <a:r>
+              <a:rPr dirty="0"/>
+              <a:t>();</a:t>
             </a:r>
           </a:p>
           <a:p>
@@ -17190,7 +17234,16 @@
               <a:defRPr sz="1700"/>
             </a:pPr>
             <a:r>
-              <a:t>		System.out.print(“Hello ”);</a:t>
+              <a:rPr dirty="0"/>
+              <a:t>		</a:t>
+            </a:r>
+            <a:r>
+              <a:rPr dirty="0" err="1"/>
+              <a:t>System.out.print</a:t>
+            </a:r>
+            <a:r>
+              <a:rPr dirty="0"/>
+              <a:t>(“Hello ”);</a:t>
             </a:r>
           </a:p>
           <a:p>
@@ -17203,7 +17256,24 @@
               <a:defRPr sz="1700"/>
             </a:pPr>
             <a:r>
-              <a:t>		exectorService.execute(()-&gt; System.out.print(“ world”));</a:t>
+              <a:rPr dirty="0"/>
+              <a:t>		</a:t>
+            </a:r>
+            <a:r>
+              <a:rPr dirty="0" err="1"/>
+              <a:t>exectorService.execute</a:t>
+            </a:r>
+            <a:r>
+              <a:rPr dirty="0"/>
+              <a:t>(()-&gt; </a:t>
+            </a:r>
+            <a:r>
+              <a:rPr dirty="0" err="1"/>
+              <a:t>System.out.print</a:t>
+            </a:r>
+            <a:r>
+              <a:rPr dirty="0"/>
+              <a:t>(“ world”));</a:t>
             </a:r>
           </a:p>
           <a:p>
@@ -17216,7 +17286,24 @@
               <a:defRPr sz="1700"/>
             </a:pPr>
             <a:r>
-              <a:t>		exectorService.execute(()-&gt; System.out.print(“!”));</a:t>
+              <a:rPr dirty="0"/>
+              <a:t>		</a:t>
+            </a:r>
+            <a:r>
+              <a:rPr dirty="0" err="1"/>
+              <a:t>exectorService.execute</a:t>
+            </a:r>
+            <a:r>
+              <a:rPr dirty="0"/>
+              <a:t>(()-&gt; </a:t>
+            </a:r>
+            <a:r>
+              <a:rPr dirty="0" err="1"/>
+              <a:t>System.out.print</a:t>
+            </a:r>
+            <a:r>
+              <a:rPr dirty="0"/>
+              <a:t>(“!”));</a:t>
             </a:r>
           </a:p>
           <a:p>
@@ -17229,6 +17316,7 @@
               <a:defRPr sz="1700"/>
             </a:pPr>
             <a:r>
+              <a:rPr dirty="0"/>
               <a:t>	} finally {</a:t>
             </a:r>
           </a:p>
@@ -17242,7 +17330,16 @@
               <a:defRPr sz="1700"/>
             </a:pPr>
             <a:r>
-              <a:t>		if(executorService != null) {</a:t>
+              <a:rPr dirty="0"/>
+              <a:t>		if(</a:t>
+            </a:r>
+            <a:r>
+              <a:rPr dirty="0" err="1"/>
+              <a:t>executorService</a:t>
+            </a:r>
+            <a:r>
+              <a:rPr dirty="0"/>
+              <a:t> != null) {</a:t>
             </a:r>
           </a:p>
           <a:p>
@@ -17255,7 +17352,16 @@
               <a:defRPr sz="1700"/>
             </a:pPr>
             <a:r>
-              <a:t>			executorService.shutdown();</a:t>
+              <a:rPr dirty="0"/>
+              <a:t>			</a:t>
+            </a:r>
+            <a:r>
+              <a:rPr dirty="0" err="1"/>
+              <a:t>executorService.shutdown</a:t>
+            </a:r>
+            <a:r>
+              <a:rPr dirty="0"/>
+              <a:t>();</a:t>
             </a:r>
           </a:p>
           <a:p>
@@ -17268,6 +17374,7 @@
               <a:defRPr sz="1700"/>
             </a:pPr>
             <a:r>
+              <a:rPr dirty="0"/>
               <a:t>		}</a:t>
             </a:r>
           </a:p>
@@ -17281,6 +17388,7 @@
               <a:defRPr sz="1700"/>
             </a:pPr>
             <a:r>
+              <a:rPr dirty="0"/>
               <a:t>	}</a:t>
             </a:r>
           </a:p>
@@ -17294,6 +17402,7 @@
               <a:defRPr sz="1700"/>
             </a:pPr>
             <a:r>
+              <a:rPr dirty="0"/>
               <a:t>}</a:t>
             </a:r>
           </a:p>
@@ -17367,28 +17476,42 @@
         </p:spPr>
         <p:txBody>
           <a:bodyPr>
-            <a:normAutofit fontScale="92500" lnSpcReduction="10000"/>
+            <a:normAutofit/>
           </a:bodyPr>
           <a:lstStyle/>
           <a:p>
             <a:r>
+              <a:rPr dirty="0"/>
               <a:t>Necessary, because it creates a non-daemon thread, and the application would not terminate if this thread won’t be killed with .shutdown().</a:t>
             </a:r>
           </a:p>
           <a:p>
             <a:r>
-              <a:t>ExecutorService will finish tasks that are submitted to it before shutting down, but it won’t accept new tasks after .shutdown() has been called</a:t>
-            </a:r>
-          </a:p>
-          <a:p>
-            <a:r>
-              <a:t>Submitting tasks to an ExecutorService after .shutdown has been called will result in a RejectedExecutionException</a:t>
-            </a:r>
-          </a:p>
-          <a:p>
-            <a:r>
-              <a:t>Cannot be closed with try-with-resources, because it doesn’t implement AutoCloseable</a:t>
-            </a:r>
+              <a:rPr dirty="0" err="1"/>
+              <a:t>ExecutorService</a:t>
+            </a:r>
+            <a:r>
+              <a:rPr dirty="0"/>
+              <a:t> will finish tasks that are submitted to it before shutting down, but it won’t accept new tasks after .shutdown() has been called</a:t>
+            </a:r>
+          </a:p>
+          <a:p>
+            <a:r>
+              <a:rPr dirty="0"/>
+              <a:t>Submitting tasks to an </a:t>
+            </a:r>
+            <a:r>
+              <a:rPr dirty="0" err="1"/>
+              <a:t>ExecutorService</a:t>
+            </a:r>
+            <a:r>
+              <a:rPr dirty="0"/>
+              <a:t> after .shutdown has been called will result in a </a:t>
+            </a:r>
+            <a:r>
+              <a:t>RejectedExecutionException</a:t>
+            </a:r>
+            <a:endParaRPr dirty="0"/>
           </a:p>
         </p:txBody>
       </p:sp>

--- a/OCP concurrency [Auto-saved].pptx
+++ b/OCP concurrency [Auto-saved].pptx
@@ -17509,6 +17509,7 @@
               <a:t> after .shutdown has been called will result in a </a:t>
             </a:r>
             <a:r>
+              <a:rPr dirty="0" err="1"/>
               <a:t>RejectedExecutionException</a:t>
             </a:r>
             <a:endParaRPr dirty="0"/>
@@ -17892,6 +17893,7 @@
                         <a:defRPr sz="1800"/>
                       </a:pPr>
                       <a:r>
+                        <a:rPr dirty="0"/>
                         <a:t>void execute(Runnable r)</a:t>
                       </a:r>
                     </a:p>
@@ -17927,6 +17929,7 @@
                         <a:defRPr sz="1800"/>
                       </a:pPr>
                       <a:r>
+                        <a:rPr dirty="0"/>
                         <a:t>Future&lt;?&gt; submit(Runnable r)</a:t>
                       </a:r>
                     </a:p>
@@ -17964,6 +17967,7 @@
                         <a:defRPr sz="1800"/>
                       </a:pPr>
                       <a:r>
+                        <a:rPr dirty="0"/>
                         <a:t>&lt;T&gt; Future&lt;T&gt; submit(Callable&lt;T&gt; c)</a:t>
                       </a:r>
                     </a:p>
@@ -18053,6 +18057,7 @@
                         <a:defRPr sz="1800"/>
                       </a:pPr>
                       <a:r>
+                        <a:rPr dirty="0"/>
                         <a:t>Executes tasks synchronously, returns the result of one finished tasks and cancels unfinished tasks</a:t>
                       </a:r>
                     </a:p>
@@ -18522,8 +18527,14 @@
               <a:defRPr sz="2500"/>
             </a:pPr>
             <a:r>
-              <a:t>Interface java.util.concurrent.Callable</a:t>
-            </a:r>
+              <a:rPr dirty="0"/>
+              <a:t>Interface </a:t>
+            </a:r>
+            <a:r>
+              <a:rPr dirty="0" err="1"/>
+              <a:t>java.util.concurrent.Callable</a:t>
+            </a:r>
+            <a:endParaRPr dirty="0"/>
           </a:p>
           <a:p>
             <a:pPr>
@@ -18533,6 +18544,7 @@
               <a:defRPr sz="2500"/>
             </a:pPr>
             <a:r>
+              <a:rPr dirty="0"/>
               <a:t>Like Runnable, but the method is call()</a:t>
             </a:r>
           </a:p>
@@ -18544,6 +18556,7 @@
               <a:defRPr sz="2500"/>
             </a:pPr>
             <a:r>
+              <a:rPr dirty="0"/>
               <a:t>call() returns a value </a:t>
             </a:r>
           </a:p>
@@ -18555,6 +18568,7 @@
               <a:defRPr sz="2500"/>
             </a:pPr>
             <a:r>
+              <a:rPr dirty="0"/>
               <a:t>call() can throw checked exceptions</a:t>
             </a:r>
           </a:p>
@@ -18566,6 +18580,7 @@
               <a:defRPr sz="2500"/>
             </a:pPr>
             <a:r>
+              <a:rPr dirty="0"/>
               <a:t>Usually preferred over Runnable</a:t>
             </a:r>
           </a:p>
@@ -18576,7 +18591,7 @@
               </a:lnSpc>
               <a:defRPr sz="2500"/>
             </a:pPr>
-            <a:endParaRPr/>
+            <a:endParaRPr dirty="0"/>
           </a:p>
           <a:p>
             <a:pPr>
@@ -18586,6 +18601,7 @@
               <a:defRPr sz="2500"/>
             </a:pPr>
             <a:r>
+              <a:rPr dirty="0"/>
               <a:t>Exercise: </a:t>
             </a:r>
           </a:p>
@@ -18599,8 +18615,30 @@
               <a:defRPr sz="2500"/>
             </a:pPr>
             <a:r>
-              <a:t>Write a class with an ExecutorService that submits using a Callable that concats two Strings </a:t>
-            </a:r>
+              <a:rPr dirty="0"/>
+              <a:t>Write a class with an </a:t>
+            </a:r>
+            <a:r>
+              <a:rPr dirty="0" err="1"/>
+              <a:t>ExecutorService</a:t>
+            </a:r>
+            <a:r>
+              <a:rPr dirty="0"/>
+              <a:t> that submits </a:t>
+            </a:r>
+            <a:r>
+              <a:rPr lang="en-US" dirty="0"/>
+              <a:t>with</a:t>
+            </a:r>
+            <a:r>
+              <a:rPr dirty="0"/>
+              <a:t> a Callable</a:t>
+            </a:r>
+            <a:r>
+              <a:rPr lang="en-US" dirty="0"/>
+              <a:t> argument that returns a random nr</a:t>
+            </a:r>
+            <a:endParaRPr dirty="0"/>
           </a:p>
           <a:p>
             <a:pPr marL="0" indent="0">
@@ -18612,6 +18650,7 @@
               <a:defRPr sz="2500"/>
             </a:pPr>
             <a:r>
+              <a:rPr dirty="0"/>
               <a:t>Catch the result in a Future</a:t>
             </a:r>
           </a:p>
@@ -18625,6 +18664,7 @@
               <a:defRPr sz="2500"/>
             </a:pPr>
             <a:r>
+              <a:rPr dirty="0"/>
               <a:t>Print the result</a:t>
             </a:r>
           </a:p>
@@ -18788,8 +18828,18 @@
               <a:defRPr sz="2375"/>
             </a:pPr>
             <a:r>
-              <a:t>Subinterface of ExecutorService</a:t>
-            </a:r>
+              <a:rPr dirty="0" err="1"/>
+              <a:t>Subinterface</a:t>
+            </a:r>
+            <a:r>
+              <a:rPr dirty="0"/>
+              <a:t> of </a:t>
+            </a:r>
+            <a:r>
+              <a:rPr dirty="0" err="1"/>
+              <a:t>ExecutorService</a:t>
+            </a:r>
+            <a:endParaRPr dirty="0"/>
           </a:p>
           <a:p>
             <a:pPr marL="217170" indent="-217170" defTabSz="868680">
@@ -18801,7 +18851,7 @@
               </a:spcBef>
               <a:defRPr sz="2375"/>
             </a:pPr>
-            <a:endParaRPr/>
+            <a:endParaRPr dirty="0"/>
           </a:p>
           <a:p>
             <a:pPr marL="217170" indent="-217170" defTabSz="868680">
@@ -18814,6 +18864,7 @@
               <a:defRPr sz="2375"/>
             </a:pPr>
             <a:r>
+              <a:rPr dirty="0"/>
               <a:t>Steps:</a:t>
             </a:r>
           </a:p>
@@ -18828,7 +18879,24 @@
               <a:defRPr sz="2090"/>
             </a:pPr>
             <a:r>
-              <a:t>Get an instance of ScheduledExecutorService (newSingleThreadScheduledExecutor())</a:t>
+              <a:rPr dirty="0"/>
+              <a:t>Get an instance of </a:t>
+            </a:r>
+            <a:r>
+              <a:rPr dirty="0" err="1"/>
+              <a:t>ScheduledExecutorService</a:t>
+            </a:r>
+            <a:r>
+              <a:rPr dirty="0"/>
+              <a:t> (</a:t>
+            </a:r>
+            <a:r>
+              <a:rPr dirty="0" err="1"/>
+              <a:t>newSingleThreadScheduledExecutor</a:t>
+            </a:r>
+            <a:r>
+              <a:rPr dirty="0"/>
+              <a:t>())</a:t>
             </a:r>
           </a:p>
           <a:p>
@@ -18842,8 +18910,14 @@
               <a:defRPr sz="2090"/>
             </a:pPr>
             <a:r>
-              <a:t>Schedule and execute tasks using the ScheduledExecutorService</a:t>
-            </a:r>
+              <a:rPr dirty="0"/>
+              <a:t>Schedule and execute tasks using the </a:t>
+            </a:r>
+            <a:r>
+              <a:rPr dirty="0" err="1"/>
+              <a:t>ScheduledExecutorService</a:t>
+            </a:r>
+            <a:endParaRPr dirty="0"/>
           </a:p>
           <a:p>
             <a:pPr marL="651509" lvl="1" indent="-217170" defTabSz="868680">
@@ -18856,8 +18930,14 @@
               <a:defRPr sz="2090"/>
             </a:pPr>
             <a:r>
-              <a:t>Close ScheduledExecutorService</a:t>
-            </a:r>
+              <a:rPr dirty="0"/>
+              <a:t>Close </a:t>
+            </a:r>
+            <a:r>
+              <a:rPr dirty="0" err="1"/>
+              <a:t>ScheduledExecutorService</a:t>
+            </a:r>
+            <a:endParaRPr dirty="0"/>
           </a:p>
           <a:p>
             <a:pPr marL="217170" indent="-217170" defTabSz="868680">
@@ -18869,7 +18949,7 @@
               </a:spcBef>
               <a:defRPr sz="2375"/>
             </a:pPr>
-            <a:endParaRPr/>
+            <a:endParaRPr dirty="0"/>
           </a:p>
           <a:p>
             <a:pPr marL="217170" indent="-217170" defTabSz="868680">
@@ -18882,6 +18962,7 @@
               <a:defRPr sz="2375"/>
             </a:pPr>
             <a:r>
+              <a:rPr dirty="0"/>
               <a:t>Methods:</a:t>
             </a:r>
           </a:p>
@@ -18896,7 +18977,24 @@
               <a:defRPr sz="2090"/>
             </a:pPr>
             <a:r>
-              <a:t>schedule(Callable&lt;V&gt;/Runnable c, long delay, TimeUnit tu)</a:t>
+              <a:rPr dirty="0"/>
+              <a:t>schedule(Callable&lt;V&gt;/Runnable c, long delay, </a:t>
+            </a:r>
+            <a:r>
+              <a:rPr dirty="0" err="1"/>
+              <a:t>TimeUnit</a:t>
+            </a:r>
+            <a:r>
+              <a:rPr dirty="0"/>
+              <a:t> </a:t>
+            </a:r>
+            <a:r>
+              <a:rPr dirty="0" err="1"/>
+              <a:t>tu</a:t>
+            </a:r>
+            <a:r>
+              <a:rPr dirty="0"/>
+              <a:t>)</a:t>
             </a:r>
           </a:p>
           <a:p>
@@ -18910,7 +19008,44 @@
               <a:defRPr sz="2090"/>
             </a:pPr>
             <a:r>
-              <a:t>scheduleAtFixedRate(Runnable r, long initialDelay, long fixedRate, TimeUnit tu)</a:t>
+              <a:rPr dirty="0" err="1"/>
+              <a:t>scheduleAtFixedRate</a:t>
+            </a:r>
+            <a:r>
+              <a:rPr dirty="0"/>
+              <a:t>(Runnable r, long </a:t>
+            </a:r>
+            <a:r>
+              <a:rPr dirty="0" err="1"/>
+              <a:t>initialDelay</a:t>
+            </a:r>
+            <a:r>
+              <a:rPr dirty="0"/>
+              <a:t>, long </a:t>
+            </a:r>
+            <a:r>
+              <a:rPr dirty="0" err="1"/>
+              <a:t>fixedRate</a:t>
+            </a:r>
+            <a:r>
+              <a:rPr dirty="0"/>
+              <a:t>, </a:t>
+            </a:r>
+            <a:r>
+              <a:rPr dirty="0" err="1"/>
+              <a:t>TimeUnit</a:t>
+            </a:r>
+            <a:r>
+              <a:rPr dirty="0"/>
+              <a:t> </a:t>
+            </a:r>
+            <a:r>
+              <a:rPr dirty="0" err="1"/>
+              <a:t>tu</a:t>
+            </a:r>
+            <a:r>
+              <a:rPr dirty="0"/>
+              <a:t>)</a:t>
             </a:r>
           </a:p>
           <a:p>
@@ -18924,7 +19059,44 @@
               <a:defRPr sz="2090"/>
             </a:pPr>
             <a:r>
-              <a:t>scheduleAtFixedDelay(Runnable r, long initialDelay, long fixedDelay, TimeUnit tu)</a:t>
+              <a:rPr dirty="0" err="1"/>
+              <a:t>scheduleAtFixedDelay</a:t>
+            </a:r>
+            <a:r>
+              <a:rPr dirty="0"/>
+              <a:t>(Runnable r, long </a:t>
+            </a:r>
+            <a:r>
+              <a:rPr dirty="0" err="1"/>
+              <a:t>initialDelay</a:t>
+            </a:r>
+            <a:r>
+              <a:rPr dirty="0"/>
+              <a:t>, long </a:t>
+            </a:r>
+            <a:r>
+              <a:rPr dirty="0" err="1"/>
+              <a:t>fixedDelay</a:t>
+            </a:r>
+            <a:r>
+              <a:rPr dirty="0"/>
+              <a:t>, </a:t>
+            </a:r>
+            <a:r>
+              <a:rPr dirty="0" err="1"/>
+              <a:t>TimeUnit</a:t>
+            </a:r>
+            <a:r>
+              <a:rPr dirty="0"/>
+              <a:t> </a:t>
+            </a:r>
+            <a:r>
+              <a:rPr dirty="0" err="1"/>
+              <a:t>tu</a:t>
+            </a:r>
+            <a:r>
+              <a:rPr dirty="0"/>
+              <a:t>)</a:t>
             </a:r>
           </a:p>
         </p:txBody>
@@ -20223,6 +20395,7 @@
               </a:lnSpc>
             </a:pPr>
             <a:r>
+              <a:rPr dirty="0"/>
               <a:t>Get()</a:t>
             </a:r>
           </a:p>
@@ -20233,6 +20406,7 @@
               </a:lnSpc>
             </a:pPr>
             <a:r>
+              <a:rPr dirty="0"/>
               <a:t>Set()</a:t>
             </a:r>
           </a:p>
@@ -20243,7 +20417,12 @@
               </a:lnSpc>
             </a:pPr>
             <a:r>
-              <a:t>getAndSet()</a:t>
+              <a:rPr dirty="0" err="1"/>
+              <a:t>getAndSet</a:t>
+            </a:r>
+            <a:r>
+              <a:rPr dirty="0"/>
+              <a:t>()</a:t>
             </a:r>
           </a:p>
           <a:p>
@@ -20252,7 +20431,7 @@
                 <a:spcPct val="81000"/>
               </a:lnSpc>
             </a:pPr>
-            <a:endParaRPr/>
+            <a:endParaRPr dirty="0"/>
           </a:p>
           <a:p>
             <a:pPr marL="0" indent="0">
@@ -20263,6 +20442,7 @@
               <a:buNone/>
             </a:pPr>
             <a:r>
+              <a:rPr dirty="0"/>
               <a:t>For numeric classes:</a:t>
             </a:r>
           </a:p>
@@ -20273,7 +20453,12 @@
               </a:lnSpc>
             </a:pPr>
             <a:r>
-              <a:t>incrementAndGet() (++value)</a:t>
+              <a:rPr dirty="0" err="1"/>
+              <a:t>incrementAndGet</a:t>
+            </a:r>
+            <a:r>
+              <a:rPr dirty="0"/>
+              <a:t>() (++value)</a:t>
             </a:r>
           </a:p>
           <a:p>
@@ -20283,7 +20468,12 @@
               </a:lnSpc>
             </a:pPr>
             <a:r>
-              <a:t>getAndIncrement() (value++)</a:t>
+              <a:rPr dirty="0" err="1"/>
+              <a:t>getAndIncrement</a:t>
+            </a:r>
+            <a:r>
+              <a:rPr dirty="0"/>
+              <a:t>() (value++)</a:t>
             </a:r>
           </a:p>
           <a:p>
@@ -20293,7 +20483,12 @@
               </a:lnSpc>
             </a:pPr>
             <a:r>
-              <a:t>decrementAndGet() (--value)</a:t>
+              <a:rPr dirty="0" err="1"/>
+              <a:t>decrementAndGet</a:t>
+            </a:r>
+            <a:r>
+              <a:rPr dirty="0"/>
+              <a:t>() (--value)</a:t>
             </a:r>
           </a:p>
           <a:p>
@@ -20303,7 +20498,12 @@
               </a:lnSpc>
             </a:pPr>
             <a:r>
-              <a:t>getAndDecrement() (value--)</a:t>
+              <a:rPr dirty="0" err="1"/>
+              <a:t>getAndDecrement</a:t>
+            </a:r>
+            <a:r>
+              <a:rPr dirty="0"/>
+              <a:t>() (value--)</a:t>
             </a:r>
           </a:p>
         </p:txBody>
@@ -20467,26 +20667,30 @@
           <a:lstStyle/>
           <a:p>
             <a:r>
+              <a:rPr dirty="0"/>
               <a:t>Solves the order problem of the previous exercise</a:t>
             </a:r>
           </a:p>
           <a:p>
             <a:r>
+              <a:rPr dirty="0"/>
               <a:t>Increases data integrity</a:t>
             </a:r>
           </a:p>
           <a:p>
             <a:r>
+              <a:rPr dirty="0"/>
               <a:t>Allows only one thread at a time in the block</a:t>
             </a:r>
           </a:p>
           <a:p>
             <a:r>
+              <a:rPr dirty="0"/>
               <a:t>Monitor/lock for synchronized access</a:t>
             </a:r>
           </a:p>
           <a:p>
-            <a:endParaRPr/>
+            <a:endParaRPr dirty="0"/>
           </a:p>
           <a:p>
             <a:pPr marL="0" indent="0">
@@ -20494,7 +20698,16 @@
               <a:buNone/>
             </a:pPr>
             <a:r>
-              <a:t>synchronized(objectInstanceOrClassToBeSynchronized) { </a:t>
+              <a:rPr dirty="0"/>
+              <a:t>synchronized(</a:t>
+            </a:r>
+            <a:r>
+              <a:rPr dirty="0" err="1"/>
+              <a:t>objectInstanceOrClassToBeSynchronized</a:t>
+            </a:r>
+            <a:r>
+              <a:rPr dirty="0"/>
+              <a:t>) { </a:t>
             </a:r>
           </a:p>
           <a:p>
@@ -20503,6 +20716,7 @@
               <a:buNone/>
             </a:pPr>
             <a:r>
+              <a:rPr dirty="0"/>
               <a:t>//task for one thread at a time</a:t>
             </a:r>
           </a:p>
@@ -20512,6 +20726,7 @@
               <a:buNone/>
             </a:pPr>
             <a:r>
+              <a:rPr dirty="0"/>
               <a:t>}</a:t>
             </a:r>
           </a:p>
